--- a/LCC/Java/05迴圈大法.pptx
+++ b/LCC/Java/05迴圈大法.pptx
@@ -242,7 +242,7 @@
           <a:p>
             <a:fld id="{39CFF1E8-60EE-4960-A0FD-341AC754B86B}" type="datetimeFigureOut">
               <a:rPr lang="zh-TW" altLang="en-US" smtClean="0"/>
-              <a:t>2020/12/5</a:t>
+              <a:t>2020/12/27</a:t>
             </a:fld>
             <a:endParaRPr lang="zh-TW" altLang="en-US"/>
           </a:p>
@@ -1048,7 +1048,7 @@
             <a:fld id="{B61BEF0D-F0BB-DE4B-95CE-6DB70DBA9567}" type="datetimeFigureOut">
               <a:rPr lang="en-US" dirty="0"/>
               <a:pPr/>
-              <a:t>12/5/2020</a:t>
+              <a:t>12/27/2020</a:t>
             </a:fld>
             <a:endParaRPr lang="en-US" dirty="0"/>
           </a:p>
@@ -1296,7 +1296,7 @@
             <a:fld id="{B61BEF0D-F0BB-DE4B-95CE-6DB70DBA9567}" type="datetimeFigureOut">
               <a:rPr lang="en-US" dirty="0"/>
               <a:pPr/>
-              <a:t>12/5/2020</a:t>
+              <a:t>12/27/2020</a:t>
             </a:fld>
             <a:endParaRPr lang="en-US" dirty="0"/>
           </a:p>
@@ -1607,7 +1607,7 @@
             <a:fld id="{B61BEF0D-F0BB-DE4B-95CE-6DB70DBA9567}" type="datetimeFigureOut">
               <a:rPr lang="en-US" dirty="0"/>
               <a:pPr/>
-              <a:t>12/5/2020</a:t>
+              <a:t>12/27/2020</a:t>
             </a:fld>
             <a:endParaRPr lang="en-US" dirty="0"/>
           </a:p>
@@ -1945,7 +1945,7 @@
             <a:fld id="{B61BEF0D-F0BB-DE4B-95CE-6DB70DBA9567}" type="datetimeFigureOut">
               <a:rPr lang="en-US" dirty="0"/>
               <a:pPr/>
-              <a:t>12/5/2020</a:t>
+              <a:t>12/27/2020</a:t>
             </a:fld>
             <a:endParaRPr lang="en-US" dirty="0"/>
           </a:p>
@@ -2256,7 +2256,7 @@
             <a:fld id="{B61BEF0D-F0BB-DE4B-95CE-6DB70DBA9567}" type="datetimeFigureOut">
               <a:rPr lang="en-US" dirty="0"/>
               <a:pPr/>
-              <a:t>12/5/2020</a:t>
+              <a:t>12/27/2020</a:t>
             </a:fld>
             <a:endParaRPr lang="en-US" dirty="0"/>
           </a:p>
@@ -2646,7 +2646,7 @@
             <a:fld id="{B61BEF0D-F0BB-DE4B-95CE-6DB70DBA9567}" type="datetimeFigureOut">
               <a:rPr lang="en-US" dirty="0"/>
               <a:pPr/>
-              <a:t>12/5/2020</a:t>
+              <a:t>12/27/2020</a:t>
             </a:fld>
             <a:endParaRPr lang="en-US" dirty="0"/>
           </a:p>
@@ -2812,7 +2812,7 @@
           <a:p>
             <a:fld id="{55C6B4A9-1611-4792-9094-5F34BCA07E0B}" type="datetimeFigureOut">
               <a:rPr lang="en-US" dirty="0"/>
-              <a:t>12/5/2020</a:t>
+              <a:t>12/27/2020</a:t>
             </a:fld>
             <a:endParaRPr lang="en-US" dirty="0"/>
           </a:p>
@@ -2988,7 +2988,7 @@
             <a:fld id="{B61BEF0D-F0BB-DE4B-95CE-6DB70DBA9567}" type="datetimeFigureOut">
               <a:rPr lang="en-US" dirty="0"/>
               <a:pPr/>
-              <a:t>12/5/2020</a:t>
+              <a:t>12/27/2020</a:t>
             </a:fld>
             <a:endParaRPr lang="en-US" dirty="0"/>
           </a:p>
@@ -3169,7 +3169,7 @@
             <a:fld id="{B61BEF0D-F0BB-DE4B-95CE-6DB70DBA9567}" type="datetimeFigureOut">
               <a:rPr lang="en-US" dirty="0"/>
               <a:pPr/>
-              <a:t>12/5/2020</a:t>
+              <a:t>12/27/2020</a:t>
             </a:fld>
             <a:endParaRPr lang="en-US" dirty="0"/>
           </a:p>
@@ -3442,7 +3442,7 @@
             <a:fld id="{B61BEF0D-F0BB-DE4B-95CE-6DB70DBA9567}" type="datetimeFigureOut">
               <a:rPr lang="en-US" dirty="0"/>
               <a:pPr/>
-              <a:t>12/5/2020</a:t>
+              <a:t>12/27/2020</a:t>
             </a:fld>
             <a:endParaRPr lang="en-US" dirty="0"/>
           </a:p>
@@ -3670,7 +3670,7 @@
           <a:p>
             <a:fld id="{EB712588-04B1-427B-82EE-E8DB90309F08}" type="datetimeFigureOut">
               <a:rPr lang="en-US" dirty="0"/>
-              <a:t>12/5/2020</a:t>
+              <a:t>12/27/2020</a:t>
             </a:fld>
             <a:endParaRPr lang="en-US" dirty="0"/>
           </a:p>
@@ -4040,7 +4040,7 @@
             <a:fld id="{B61BEF0D-F0BB-DE4B-95CE-6DB70DBA9567}" type="datetimeFigureOut">
               <a:rPr lang="en-US" dirty="0"/>
               <a:pPr/>
-              <a:t>12/5/2020</a:t>
+              <a:t>12/27/2020</a:t>
             </a:fld>
             <a:endParaRPr lang="en-US" dirty="0"/>
           </a:p>
@@ -4160,7 +4160,7 @@
             <a:fld id="{B61BEF0D-F0BB-DE4B-95CE-6DB70DBA9567}" type="datetimeFigureOut">
               <a:rPr lang="en-US" dirty="0"/>
               <a:pPr/>
-              <a:t>12/5/2020</a:t>
+              <a:t>12/27/2020</a:t>
             </a:fld>
             <a:endParaRPr lang="en-US" dirty="0"/>
           </a:p>
@@ -4252,7 +4252,7 @@
             <a:fld id="{B61BEF0D-F0BB-DE4B-95CE-6DB70DBA9567}" type="datetimeFigureOut">
               <a:rPr lang="en-US" dirty="0"/>
               <a:pPr/>
-              <a:t>12/5/2020</a:t>
+              <a:t>12/27/2020</a:t>
             </a:fld>
             <a:endParaRPr lang="en-US" dirty="0"/>
           </a:p>
@@ -4503,7 +4503,7 @@
           <a:p>
             <a:fld id="{42A54C80-263E-416B-A8E0-580EDEADCBDC}" type="datetimeFigureOut">
               <a:rPr lang="en-US" dirty="0"/>
-              <a:t>12/5/2020</a:t>
+              <a:t>12/27/2020</a:t>
             </a:fld>
             <a:endParaRPr lang="en-US" dirty="0"/>
           </a:p>
@@ -4762,7 +4762,7 @@
             <a:fld id="{B61BEF0D-F0BB-DE4B-95CE-6DB70DBA9567}" type="datetimeFigureOut">
               <a:rPr lang="en-US" dirty="0"/>
               <a:pPr/>
-              <a:t>12/5/2020</a:t>
+              <a:t>12/27/2020</a:t>
             </a:fld>
             <a:endParaRPr lang="en-US" dirty="0"/>
           </a:p>
@@ -5502,7 +5502,7 @@
             <a:fld id="{B61BEF0D-F0BB-DE4B-95CE-6DB70DBA9567}" type="datetimeFigureOut">
               <a:rPr lang="en-US" dirty="0"/>
               <a:pPr/>
-              <a:t>12/5/2020</a:t>
+              <a:t>12/27/2020</a:t>
             </a:fld>
             <a:endParaRPr lang="en-US" dirty="0"/>
           </a:p>
@@ -5585,6 +5585,47 @@
           </a:p>
         </p:txBody>
       </p:sp>
+      <p:pic>
+        <p:nvPicPr>
+          <p:cNvPr id="18" name="Picture 4" descr="Java 9至12的一些新功能（第一集） - 英國金融界Programmer求職求學記"/>
+          <p:cNvPicPr>
+            <a:picLocks noChangeAspect="1" noChangeArrowheads="1"/>
+          </p:cNvPicPr>
+          <p:nvPr userDrawn="1"/>
+        </p:nvPicPr>
+        <p:blipFill>
+          <a:blip r:embed="rId18" cstate="print">
+            <a:extLst>
+              <a:ext uri="{28A0092B-C50C-407E-A947-70E740481C1C}">
+                <a14:useLocalDpi xmlns:a14="http://schemas.microsoft.com/office/drawing/2010/main" val="0"/>
+              </a:ext>
+            </a:extLst>
+          </a:blip>
+          <a:srcRect/>
+          <a:stretch>
+            <a:fillRect/>
+          </a:stretch>
+        </p:blipFill>
+        <p:spPr bwMode="auto">
+          <a:xfrm>
+            <a:off x="168306" y="10541"/>
+            <a:ext cx="835742" cy="467868"/>
+          </a:xfrm>
+          <a:prstGeom prst="rect">
+            <a:avLst/>
+          </a:prstGeom>
+          <a:noFill/>
+          <a:extLst>
+            <a:ext uri="{909E8E84-426E-40DD-AFC4-6F175D3DCCD1}">
+              <a14:hiddenFill xmlns:a14="http://schemas.microsoft.com/office/drawing/2010/main">
+                <a:solidFill>
+                  <a:srgbClr val="FFFFFF"/>
+                </a:solidFill>
+              </a14:hiddenFill>
+            </a:ext>
+          </a:extLst>
+        </p:spPr>
+      </p:pic>
     </p:spTree>
   </p:cSld>
   <p:clrMap bg1="lt1" tx1="dk1" bg2="lt2" tx2="dk2" accent1="accent1" accent2="accent2" accent3="accent3" accent4="accent4" accent5="accent5" accent6="accent6" hlink="hlink" folHlink="folHlink"/>
@@ -6070,7 +6111,7 @@
             <a:fld id="{4805910D-2C61-424F-80CE-807290CF0E1E}" type="datetime4">
               <a:rPr lang="zh-TW" altLang="zh-TW"/>
               <a:pPr/>
-              <a:t>109年12月5日星期六</a:t>
+              <a:t>109年12月27日星期日</a:t>
             </a:fld>
             <a:endParaRPr lang="zh-TW" altLang="en-US" dirty="0"/>
           </a:p>
@@ -6079,6 +6120,47 @@
           </a:p>
         </p:txBody>
       </p:sp>
+      <p:pic>
+        <p:nvPicPr>
+          <p:cNvPr id="4" name="Picture 2" descr="Java 9至12的一些新功能（第一集） - 英國金融界Programmer求職求學記"/>
+          <p:cNvPicPr>
+            <a:picLocks noChangeAspect="1" noChangeArrowheads="1"/>
+          </p:cNvPicPr>
+          <p:nvPr/>
+        </p:nvPicPr>
+        <p:blipFill>
+          <a:blip r:embed="rId2" cstate="print">
+            <a:extLst>
+              <a:ext uri="{28A0092B-C50C-407E-A947-70E740481C1C}">
+                <a14:useLocalDpi xmlns:a14="http://schemas.microsoft.com/office/drawing/2010/main" val="0"/>
+              </a:ext>
+            </a:extLst>
+          </a:blip>
+          <a:srcRect/>
+          <a:stretch>
+            <a:fillRect/>
+          </a:stretch>
+        </p:blipFill>
+        <p:spPr bwMode="auto">
+          <a:xfrm>
+            <a:off x="791231" y="3429000"/>
+            <a:ext cx="4151248" cy="2323969"/>
+          </a:xfrm>
+          <a:prstGeom prst="rect">
+            <a:avLst/>
+          </a:prstGeom>
+          <a:noFill/>
+          <a:extLst>
+            <a:ext uri="{909E8E84-426E-40DD-AFC4-6F175D3DCCD1}">
+              <a14:hiddenFill xmlns:a14="http://schemas.microsoft.com/office/drawing/2010/main">
+                <a:solidFill>
+                  <a:srgbClr val="FFFFFF"/>
+                </a:solidFill>
+              </a14:hiddenFill>
+            </a:ext>
+          </a:extLst>
+        </p:spPr>
+      </p:pic>
     </p:spTree>
     <p:extLst>
       <p:ext uri="{BB962C8B-B14F-4D97-AF65-F5344CB8AC3E}">
